--- a/Doc/PLS_ALES.pptx
+++ b/Doc/PLS_ALES.pptx
@@ -13532,7 +13532,7 @@
               <a:rPr lang="it-IT" dirty="0">
                 <a:latin typeface="+mj-lt"/>
               </a:rPr>
-              <a:t>105: Alessandro Chaar</a:t>
+              <a:t>1054918: Alessandro Chaar</a:t>
             </a:r>
             <a:endParaRPr lang="it-IT" dirty="0"/>
           </a:p>
@@ -15373,7 +15373,7 @@
             </a:r>
             <a:r>
               <a:rPr lang="en-US" sz="1800" b="1" dirty="0"/>
-              <a:t>not always orthogonal</a:t>
+              <a:t>rarely orthogonal</a:t>
             </a:r>
             <a:r>
               <a:rPr lang="en-US" sz="1800" dirty="0"/>
@@ -18462,8 +18462,8 @@
           </a:p>
         </p:txBody>
       </p:sp>
-      <mc:AlternateContent xmlns:mc="http://schemas.openxmlformats.org/markup-compatibility/2006" xmlns:a14="http://schemas.microsoft.com/office/drawing/2010/main">
-        <mc:Choice Requires="a14">
+      <mc:AlternateContent xmlns:mc="http://schemas.openxmlformats.org/markup-compatibility/2006">
+        <mc:Choice xmlns:a14="http://schemas.microsoft.com/office/drawing/2010/main" Requires="a14">
           <p:sp>
             <p:nvSpPr>
               <p:cNvPr id="33" name="Segnaposto testo 32">
@@ -18999,7 +18999,7 @@
             </p:txBody>
           </p:sp>
         </mc:Choice>
-        <mc:Fallback xmlns="">
+        <mc:Fallback>
           <p:sp>
             <p:nvSpPr>
               <p:cNvPr id="33" name="Segnaposto testo 32">
@@ -19033,7 +19033,7 @@
               <a:lstStyle/>
               <a:p>
                 <a:r>
-                  <a:rPr lang="en-GB">
+                  <a:rPr lang="it-IT">
                     <a:noFill/>
                   </a:rPr>
                   <a:t> </a:t>
@@ -19103,8 +19103,8 @@
           </a:prstGeom>
         </p:spPr>
       </p:pic>
-      <mc:AlternateContent xmlns:mc="http://schemas.openxmlformats.org/markup-compatibility/2006">
-        <mc:Choice xmlns:a14="http://schemas.microsoft.com/office/drawing/2010/main" Requires="a14">
+      <mc:AlternateContent xmlns:mc="http://schemas.openxmlformats.org/markup-compatibility/2006" xmlns:a14="http://schemas.microsoft.com/office/drawing/2010/main">
+        <mc:Choice Requires="a14">
           <p:sp>
             <p:nvSpPr>
               <p:cNvPr id="6" name="CasellaDiTesto 5">
@@ -19294,7 +19294,7 @@
             </p:txBody>
           </p:sp>
         </mc:Choice>
-        <mc:Fallback>
+        <mc:Fallback xmlns="">
           <p:sp>
             <p:nvSpPr>
               <p:cNvPr id="6" name="CasellaDiTesto 5">
@@ -20308,7 +20308,171 @@
                 </a:pPr>
                 <a:r>
                   <a:rPr lang="en-US" sz="1800" dirty="0"/>
-                  <a:t>The sum of squared residuals. </a:t>
+                  <a:t>The  prediction residual sum of squares</a:t>
+                </a:r>
+                <a14:m>
+                  <m:oMath xmlns:m="http://schemas.openxmlformats.org/officeDocument/2006/math">
+                    <m:sSub>
+                      <m:sSubPr>
+                        <m:ctrlPr>
+                          <a:rPr lang="en-US" sz="1800" i="1" smtClean="0">
+                            <a:latin typeface="Cambria Math" panose="02040503050406030204" pitchFamily="18" charset="0"/>
+                          </a:rPr>
+                        </m:ctrlPr>
+                      </m:sSubPr>
+                      <m:e>
+                        <m:r>
+                          <a:rPr lang="it-IT" sz="1800" b="0" i="1" smtClean="0">
+                            <a:latin typeface="Cambria Math" panose="02040503050406030204" pitchFamily="18" charset="0"/>
+                          </a:rPr>
+                          <m:t>: </m:t>
+                        </m:r>
+                        <m:r>
+                          <a:rPr lang="it-IT" sz="1800" b="0" i="1" smtClean="0">
+                            <a:latin typeface="Cambria Math" panose="02040503050406030204" pitchFamily="18" charset="0"/>
+                          </a:rPr>
+                          <m:t>𝑃𝑅𝐸𝑆𝑆</m:t>
+                        </m:r>
+                      </m:e>
+                      <m:sub>
+                        <m:r>
+                          <a:rPr lang="it-IT" sz="1800" b="0" i="1" smtClean="0">
+                            <a:latin typeface="Cambria Math" panose="02040503050406030204" pitchFamily="18" charset="0"/>
+                          </a:rPr>
+                          <m:t>(</m:t>
+                        </m:r>
+                        <m:r>
+                          <a:rPr lang="it-IT" sz="1800" b="0" i="1" smtClean="0">
+                            <a:latin typeface="Cambria Math" panose="02040503050406030204" pitchFamily="18" charset="0"/>
+                          </a:rPr>
+                          <m:t>𝑖</m:t>
+                        </m:r>
+                        <m:r>
+                          <a:rPr lang="it-IT" sz="1800" b="0" i="1" smtClean="0">
+                            <a:latin typeface="Cambria Math" panose="02040503050406030204" pitchFamily="18" charset="0"/>
+                          </a:rPr>
+                          <m:t>)</m:t>
+                        </m:r>
+                      </m:sub>
+                    </m:sSub>
+                    <m:r>
+                      <a:rPr lang="it-IT" sz="1800" b="0" i="1" smtClean="0">
+                        <a:latin typeface="Cambria Math" panose="02040503050406030204" pitchFamily="18" charset="0"/>
+                      </a:rPr>
+                      <m:t>=</m:t>
+                    </m:r>
+                    <m:f>
+                      <m:fPr>
+                        <m:ctrlPr>
+                          <a:rPr lang="it-IT" sz="1800" b="0" i="1" smtClean="0">
+                            <a:latin typeface="Cambria Math" panose="02040503050406030204" pitchFamily="18" charset="0"/>
+                          </a:rPr>
+                        </m:ctrlPr>
+                      </m:fPr>
+                      <m:num>
+                        <m:r>
+                          <a:rPr lang="it-IT" sz="1800" b="0" i="1" smtClean="0">
+                            <a:latin typeface="Cambria Math" panose="02040503050406030204" pitchFamily="18" charset="0"/>
+                          </a:rPr>
+                          <m:t>1</m:t>
+                        </m:r>
+                      </m:num>
+                      <m:den>
+                        <m:r>
+                          <a:rPr lang="it-IT" sz="1800" b="0" i="1" smtClean="0">
+                            <a:latin typeface="Cambria Math" panose="02040503050406030204" pitchFamily="18" charset="0"/>
+                          </a:rPr>
+                          <m:t>𝑚𝑛</m:t>
+                        </m:r>
+                      </m:den>
+                    </m:f>
+                    <m:d>
+                      <m:dPr>
+                        <m:begChr m:val="‖"/>
+                        <m:endChr m:val=""/>
+                        <m:ctrlPr>
+                          <a:rPr lang="it-IT" sz="1800" b="0" i="1" smtClean="0">
+                            <a:latin typeface="Cambria Math" panose="02040503050406030204" pitchFamily="18" charset="0"/>
+                          </a:rPr>
+                        </m:ctrlPr>
+                      </m:dPr>
+                      <m:e>
+                        <m:d>
+                          <m:dPr>
+                            <m:begChr m:val=""/>
+                            <m:endChr m:val="‖"/>
+                            <m:ctrlPr>
+                              <a:rPr lang="it-IT" sz="1800" b="0" i="1" smtClean="0">
+                                <a:latin typeface="Cambria Math" panose="02040503050406030204" pitchFamily="18" charset="0"/>
+                              </a:rPr>
+                            </m:ctrlPr>
+                          </m:dPr>
+                          <m:e>
+                            <m:r>
+                              <a:rPr lang="it-IT" sz="1800" b="0" i="1" smtClean="0">
+                                <a:latin typeface="Cambria Math" panose="02040503050406030204" pitchFamily="18" charset="0"/>
+                              </a:rPr>
+                              <m:t>𝑋</m:t>
+                            </m:r>
+                            <m:r>
+                              <a:rPr lang="it-IT" sz="1800" b="0" i="1" smtClean="0">
+                                <a:latin typeface="Cambria Math" panose="02040503050406030204" pitchFamily="18" charset="0"/>
+                              </a:rPr>
+                              <m:t>−</m:t>
+                            </m:r>
+                            <m:acc>
+                              <m:accPr>
+                                <m:chr m:val="̂"/>
+                                <m:ctrlPr>
+                                  <a:rPr lang="it-IT" sz="1800" b="0" i="1" smtClean="0">
+                                    <a:latin typeface="Cambria Math" panose="02040503050406030204" pitchFamily="18" charset="0"/>
+                                  </a:rPr>
+                                </m:ctrlPr>
+                              </m:accPr>
+                              <m:e>
+                                <m:r>
+                                  <a:rPr lang="it-IT" sz="1800" b="0" i="1" smtClean="0">
+                                    <a:latin typeface="Cambria Math" panose="02040503050406030204" pitchFamily="18" charset="0"/>
+                                  </a:rPr>
+                                  <m:t>𝑋</m:t>
+                                </m:r>
+                              </m:e>
+                            </m:acc>
+                          </m:e>
+                        </m:d>
+                      </m:e>
+                    </m:d>
+                    <m:f>
+                      <m:fPr>
+                        <m:type m:val="noBar"/>
+                        <m:ctrlPr>
+                          <a:rPr lang="it-IT" sz="1800" b="0" i="1" smtClean="0">
+                            <a:latin typeface="Cambria Math" panose="02040503050406030204" pitchFamily="18" charset="0"/>
+                          </a:rPr>
+                        </m:ctrlPr>
+                      </m:fPr>
+                      <m:num>
+                        <m:r>
+                          <a:rPr lang="it-IT" sz="1800" b="0" i="1" smtClean="0">
+                            <a:latin typeface="Cambria Math" panose="02040503050406030204" pitchFamily="18" charset="0"/>
+                          </a:rPr>
+                          <m:t>2</m:t>
+                        </m:r>
+                      </m:num>
+                      <m:den>
+                        <m:r>
+                          <a:rPr lang="it-IT" sz="1800" b="0" i="1" smtClean="0">
+                            <a:latin typeface="Cambria Math" panose="02040503050406030204" pitchFamily="18" charset="0"/>
+                          </a:rPr>
+                          <m:t>𝐹</m:t>
+                        </m:r>
+                      </m:den>
+                    </m:f>
+                  </m:oMath>
+                </a14:m>
+                <a:r>
+                  <a:rPr lang="en-US" sz="1800" dirty="0"/>
+                  <a:t> </a:t>
                 </a:r>
               </a:p>
               <a:p>
@@ -20318,8 +20482,104 @@
                 </a:pPr>
                 <a:r>
                   <a:rPr lang="en-US" sz="1800" dirty="0"/>
-                  <a:t>The information criterion.</a:t>
+                  <a:t>The information criterion: </a:t>
                 </a:r>
+                <a14:m>
+                  <m:oMath xmlns:m="http://schemas.openxmlformats.org/officeDocument/2006/math">
+                    <m:sSub>
+                      <m:sSubPr>
+                        <m:ctrlPr>
+                          <a:rPr lang="en-US" sz="1800" i="1" smtClean="0">
+                            <a:latin typeface="Cambria Math" panose="02040503050406030204" pitchFamily="18" charset="0"/>
+                          </a:rPr>
+                        </m:ctrlPr>
+                      </m:sSubPr>
+                      <m:e>
+                        <m:r>
+                          <a:rPr lang="it-IT" sz="1800" b="0" i="1" smtClean="0">
+                            <a:latin typeface="Cambria Math" panose="02040503050406030204" pitchFamily="18" charset="0"/>
+                          </a:rPr>
+                          <m:t>𝑓</m:t>
+                        </m:r>
+                      </m:e>
+                      <m:sub>
+                        <m:r>
+                          <a:rPr lang="it-IT" sz="1800" b="0" i="1" smtClean="0">
+                            <a:latin typeface="Cambria Math" panose="02040503050406030204" pitchFamily="18" charset="0"/>
+                          </a:rPr>
+                          <m:t>𝑚</m:t>
+                        </m:r>
+                        <m:r>
+                          <a:rPr lang="it-IT" sz="1800" b="0" i="1" smtClean="0">
+                            <a:latin typeface="Cambria Math" panose="02040503050406030204" pitchFamily="18" charset="0"/>
+                          </a:rPr>
+                          <m:t>𝑖𝑠𝑠</m:t>
+                        </m:r>
+                      </m:sub>
+                    </m:sSub>
+                    <m:d>
+                      <m:dPr>
+                        <m:ctrlPr>
+                          <a:rPr lang="it-IT" sz="1800" b="0" i="1" smtClean="0">
+                            <a:latin typeface="Cambria Math" panose="02040503050406030204" pitchFamily="18" charset="0"/>
+                          </a:rPr>
+                        </m:ctrlPr>
+                      </m:dPr>
+                      <m:e>
+                        <m:r>
+                          <a:rPr lang="it-IT" sz="1800" b="0" i="1" smtClean="0">
+                            <a:latin typeface="Cambria Math" panose="02040503050406030204" pitchFamily="18" charset="0"/>
+                          </a:rPr>
+                          <m:t>𝑎</m:t>
+                        </m:r>
+                      </m:e>
+                    </m:d>
+                    <m:r>
+                      <a:rPr lang="it-IT" sz="1800" b="0" i="1" smtClean="0">
+                        <a:latin typeface="Cambria Math" panose="02040503050406030204" pitchFamily="18" charset="0"/>
+                      </a:rPr>
+                      <m:t>+</m:t>
+                    </m:r>
+                    <m:f>
+                      <m:fPr>
+                        <m:ctrlPr>
+                          <a:rPr lang="it-IT" sz="1800" b="0" i="1" smtClean="0">
+                            <a:latin typeface="Cambria Math" panose="02040503050406030204" pitchFamily="18" charset="0"/>
+                          </a:rPr>
+                        </m:ctrlPr>
+                      </m:fPr>
+                      <m:num>
+                        <m:r>
+                          <a:rPr lang="it-IT" sz="1800" b="0" i="1" smtClean="0">
+                            <a:latin typeface="Cambria Math" panose="02040503050406030204" pitchFamily="18" charset="0"/>
+                          </a:rPr>
+                          <m:t>𝑎</m:t>
+                        </m:r>
+                      </m:num>
+                      <m:den>
+                        <m:acc>
+                          <m:accPr>
+                            <m:chr m:val="̅"/>
+                            <m:ctrlPr>
+                              <a:rPr lang="it-IT" sz="1800" b="0" i="1" smtClean="0">
+                                <a:latin typeface="Cambria Math" panose="02040503050406030204" pitchFamily="18" charset="0"/>
+                              </a:rPr>
+                            </m:ctrlPr>
+                          </m:accPr>
+                          <m:e>
+                            <m:r>
+                              <a:rPr lang="it-IT" sz="1800" b="0" i="1" smtClean="0">
+                                <a:latin typeface="Cambria Math" panose="02040503050406030204" pitchFamily="18" charset="0"/>
+                              </a:rPr>
+                              <m:t>𝑛</m:t>
+                            </m:r>
+                          </m:e>
+                        </m:acc>
+                      </m:den>
+                    </m:f>
+                  </m:oMath>
+                </a14:m>
+                <a:endParaRPr lang="en-US" sz="1800" dirty="0"/>
               </a:p>
               <a:p>
                 <a:pPr marL="342900" indent="-342900">
@@ -20385,7 +20645,7 @@
               <a:blipFill>
                 <a:blip r:embed="rId2"/>
                 <a:stretch>
-                  <a:fillRect l="-1464" t="-2230"/>
+                  <a:fillRect l="-1464" t="-2230" b="-1544"/>
                 </a:stretch>
               </a:blipFill>
             </p:spPr>
@@ -20394,7 +20654,7 @@
               <a:lstStyle/>
               <a:p>
                 <a:r>
-                  <a:rPr lang="en-US">
+                  <a:rPr lang="it-IT">
                     <a:noFill/>
                   </a:rPr>
                   <a:t> </a:t>
@@ -20979,9 +21239,12 @@
           <a:p>
             <a:pPr rtl="0"/>
             <a:r>
-              <a:rPr lang="it-IT" dirty="0"/>
+              <a:rPr lang="it-IT" dirty="0">
+                <a:latin typeface="+mj-lt"/>
+              </a:rPr>
               <a:t>Pag. 3</a:t>
             </a:r>
+            <a:endParaRPr lang="it-IT" dirty="0"/>
           </a:p>
         </p:txBody>
       </p:sp>
@@ -21047,9 +21310,12 @@
           <a:p>
             <a:pPr rtl="0"/>
             <a:r>
-              <a:rPr lang="it-IT" dirty="0"/>
+              <a:rPr lang="it-IT" dirty="0">
+                <a:latin typeface="+mj-lt"/>
+              </a:rPr>
               <a:t>Pag. 4:11</a:t>
             </a:r>
+            <a:endParaRPr lang="it-IT" dirty="0"/>
           </a:p>
         </p:txBody>
       </p:sp>
@@ -21115,9 +21381,12 @@
           <a:p>
             <a:pPr rtl="0"/>
             <a:r>
-              <a:rPr lang="it-IT" dirty="0"/>
+              <a:rPr lang="it-IT" dirty="0">
+                <a:latin typeface="+mj-lt"/>
+              </a:rPr>
               <a:t>Pag. 12</a:t>
             </a:r>
+            <a:endParaRPr lang="it-IT" dirty="0"/>
           </a:p>
         </p:txBody>
       </p:sp>
@@ -21187,9 +21456,12 @@
           <a:p>
             <a:pPr rtl="0"/>
             <a:r>
-              <a:rPr lang="it-IT" dirty="0"/>
+              <a:rPr lang="it-IT" dirty="0">
+                <a:latin typeface="+mj-lt"/>
+              </a:rPr>
               <a:t>Pag. 13:17</a:t>
             </a:r>
+            <a:endParaRPr lang="it-IT" dirty="0"/>
           </a:p>
         </p:txBody>
       </p:sp>
@@ -21262,9 +21534,12 @@
           <a:p>
             <a:pPr rtl="0"/>
             <a:r>
-              <a:rPr lang="it-IT" dirty="0"/>
-              <a:t>Pag.18:21</a:t>
+              <a:rPr lang="it-IT" dirty="0">
+                <a:latin typeface="+mj-lt"/>
+              </a:rPr>
+              <a:t>Pag. 18:21</a:t>
             </a:r>
+            <a:endParaRPr lang="it-IT" dirty="0"/>
           </a:p>
         </p:txBody>
       </p:sp>
@@ -21696,9 +21971,12 @@
           </a:lstStyle>
           <a:p>
             <a:r>
-              <a:rPr lang="it-IT" dirty="0"/>
-              <a:t>Pag.22:30</a:t>
+              <a:rPr lang="it-IT" dirty="0">
+                <a:latin typeface="+mj-lt"/>
+              </a:rPr>
+              <a:t>Pag. 22:30</a:t>
             </a:r>
+            <a:endParaRPr lang="it-IT" dirty="0"/>
           </a:p>
         </p:txBody>
       </p:sp>
@@ -22016,7 +22294,7 @@
           <p:nvPr>
             <p:extLst>
               <p:ext uri="{D42A27DB-BD31-4B8C-83A1-F6EECF244321}">
-                <p14:modId xmlns:p14="http://schemas.microsoft.com/office/powerpoint/2010/main" val="1284873298"/>
+                <p14:modId xmlns:p14="http://schemas.microsoft.com/office/powerpoint/2010/main" val="1640165670"/>
               </p:ext>
             </p:extLst>
           </p:nvPr>
@@ -22310,9 +22588,7 @@
                       <a:tailEnd type="none" w="med" len="med"/>
                     </a:lnT>
                     <a:lnB w="12700" cap="flat" cmpd="sng" algn="ctr">
-                      <a:solidFill>
-                        <a:schemeClr val="bg1"/>
-                      </a:solidFill>
+                      <a:noFill/>
                       <a:prstDash val="solid"/>
                       <a:round/>
                       <a:headEnd type="none" w="med" len="med"/>
@@ -22639,16 +22915,16 @@
                       <a:tailEnd type="none" w="med" len="med"/>
                     </a:lnR>
                     <a:lnT w="12700" cap="flat" cmpd="sng" algn="ctr">
-                      <a:solidFill>
-                        <a:schemeClr val="bg1"/>
-                      </a:solidFill>
+                      <a:noFill/>
                       <a:prstDash val="solid"/>
                       <a:round/>
                       <a:headEnd type="none" w="med" len="med"/>
                       <a:tailEnd type="none" w="med" len="med"/>
                     </a:lnT>
                     <a:lnB w="12700" cap="flat" cmpd="sng" algn="ctr">
-                      <a:noFill/>
+                      <a:solidFill>
+                        <a:schemeClr val="tx1"/>
+                      </a:solidFill>
                       <a:prstDash val="solid"/>
                       <a:round/>
                       <a:headEnd type="none" w="med" len="med"/>
@@ -22933,14 +23209,18 @@
                       <a:tailEnd type="none" w="med" len="med"/>
                     </a:lnR>
                     <a:lnT w="12700" cap="flat" cmpd="sng" algn="ctr">
-                      <a:noFill/>
+                      <a:solidFill>
+                        <a:schemeClr val="tx1"/>
+                      </a:solidFill>
                       <a:prstDash val="solid"/>
                       <a:round/>
                       <a:headEnd type="none" w="med" len="med"/>
                       <a:tailEnd type="none" w="med" len="med"/>
                     </a:lnT>
                     <a:lnB w="12700" cap="flat" cmpd="sng" algn="ctr">
-                      <a:noFill/>
+                      <a:solidFill>
+                        <a:schemeClr val="tx1"/>
+                      </a:solidFill>
                       <a:prstDash val="solid"/>
                       <a:round/>
                       <a:headEnd type="none" w="med" len="med"/>
@@ -23170,7 +23450,9 @@
                       <a:tailEnd type="none" w="med" len="med"/>
                     </a:lnT>
                     <a:lnB w="12700" cap="flat" cmpd="sng" algn="ctr">
-                      <a:noFill/>
+                      <a:solidFill>
+                        <a:schemeClr val="bg1"/>
+                      </a:solidFill>
                       <a:prstDash val="solid"/>
                       <a:round/>
                       <a:headEnd type="none" w="med" len="med"/>
@@ -23231,14 +23513,18 @@
                       <a:tailEnd type="none" w="med" len="med"/>
                     </a:lnR>
                     <a:lnT w="12700" cap="flat" cmpd="sng" algn="ctr">
-                      <a:noFill/>
+                      <a:solidFill>
+                        <a:schemeClr val="tx1"/>
+                      </a:solidFill>
                       <a:prstDash val="solid"/>
                       <a:round/>
                       <a:headEnd type="none" w="med" len="med"/>
                       <a:tailEnd type="none" w="med" len="med"/>
                     </a:lnT>
                     <a:lnB w="12700" cap="flat" cmpd="sng" algn="ctr">
-                      <a:noFill/>
+                      <a:solidFill>
+                        <a:schemeClr val="bg1"/>
+                      </a:solidFill>
                       <a:prstDash val="solid"/>
                       <a:round/>
                       <a:headEnd type="none" w="med" len="med"/>
@@ -23306,7 +23592,9 @@
                       <a:tailEnd type="none" w="med" len="med"/>
                     </a:lnT>
                     <a:lnB w="12700" cap="flat" cmpd="sng" algn="ctr">
-                      <a:noFill/>
+                      <a:solidFill>
+                        <a:schemeClr val="bg1"/>
+                      </a:solidFill>
                       <a:prstDash val="solid"/>
                       <a:round/>
                       <a:headEnd type="none" w="med" len="med"/>
@@ -34440,7 +34728,7 @@
               <a:rPr lang="it-IT" dirty="0">
                 <a:latin typeface="+mj-lt"/>
               </a:rPr>
-              <a:t>105: Alessandro Chaar</a:t>
+              <a:t>1054918: Alessandro Chaar</a:t>
             </a:r>
             <a:endParaRPr lang="it-IT" dirty="0"/>
           </a:p>
@@ -35329,8 +35617,8 @@
           </p:sp>
         </mc:Fallback>
       </mc:AlternateContent>
-      <mc:AlternateContent xmlns:mc="http://schemas.openxmlformats.org/markup-compatibility/2006">
-        <mc:Choice xmlns:a14="http://schemas.microsoft.com/office/drawing/2010/main" Requires="a14">
+      <mc:AlternateContent xmlns:mc="http://schemas.openxmlformats.org/markup-compatibility/2006" xmlns:a14="http://schemas.microsoft.com/office/drawing/2010/main">
+        <mc:Choice Requires="a14">
           <p:sp>
             <p:nvSpPr>
               <p:cNvPr id="29" name="CasellaDiTesto 28">
@@ -35659,7 +35947,7 @@
             </p:txBody>
           </p:sp>
         </mc:Choice>
-        <mc:Fallback>
+        <mc:Fallback xmlns="">
           <p:sp>
             <p:nvSpPr>
               <p:cNvPr id="29" name="CasellaDiTesto 28">
@@ -35785,8 +36073,8 @@
           </a:p>
         </p:txBody>
       </p:sp>
-      <mc:AlternateContent xmlns:mc="http://schemas.openxmlformats.org/markup-compatibility/2006">
-        <mc:Choice xmlns:a14="http://schemas.microsoft.com/office/drawing/2010/main" Requires="a14">
+      <mc:AlternateContent xmlns:mc="http://schemas.openxmlformats.org/markup-compatibility/2006" xmlns:a14="http://schemas.microsoft.com/office/drawing/2010/main">
+        <mc:Choice Requires="a14">
           <p:sp>
             <p:nvSpPr>
               <p:cNvPr id="17" name="Segnaposto testo 16">
@@ -36752,7 +37040,7 @@
             </p:txBody>
           </p:sp>
         </mc:Choice>
-        <mc:Fallback>
+        <mc:Fallback xmlns="">
           <p:sp>
             <p:nvSpPr>
               <p:cNvPr id="17" name="Segnaposto testo 16">
@@ -42310,7 +42598,7 @@
                   <a:schemeClr val="bg1"/>
                 </a:solidFill>
               </a:rPr>
-              <a:t> is then found to be </a:t>
+              <a:t> is then found to be not necessary </a:t>
             </a:r>
             <a:r>
               <a:rPr lang="en-US" b="1" dirty="0">
@@ -42673,8 +42961,8 @@
               </p:sp>
             </mc:Fallback>
           </mc:AlternateContent>
-          <mc:AlternateContent xmlns:mc="http://schemas.openxmlformats.org/markup-compatibility/2006">
-            <mc:Choice xmlns:a14="http://schemas.microsoft.com/office/drawing/2010/main" Requires="a14">
+          <mc:AlternateContent xmlns:mc="http://schemas.openxmlformats.org/markup-compatibility/2006" xmlns:a14="http://schemas.microsoft.com/office/drawing/2010/main">
+            <mc:Choice Requires="a14">
               <p:sp>
                 <p:nvSpPr>
                   <p:cNvPr id="14" name="CasellaDiTesto 13">
@@ -42754,7 +43042,7 @@
                 </p:txBody>
               </p:sp>
             </mc:Choice>
-            <mc:Fallback>
+            <mc:Fallback xmlns="">
               <p:sp>
                 <p:nvSpPr>
                   <p:cNvPr id="14" name="CasellaDiTesto 13">
@@ -44299,6 +44587,15 @@
 </file>
 
 <file path=customXml/item1.xml><?xml version="1.0" encoding="utf-8"?>
+<p:properties xmlns:p="http://schemas.microsoft.com/office/2006/metadata/properties" xmlns:xsi="http://www.w3.org/2001/XMLSchema-instance" xmlns:pc="http://schemas.microsoft.com/office/infopath/2007/PartnerControls">
+  <documentManagement>
+    <Status xmlns="71af3243-3dd4-4a8d-8c0d-dd76da1f02a5">Not started</Status>
+    <MediaServiceKeyPoints xmlns="71af3243-3dd4-4a8d-8c0d-dd76da1f02a5" xsi:nil="true"/>
+  </documentManagement>
+</p:properties>
+</file>
+
+<file path=customXml/item2.xml><?xml version="1.0" encoding="utf-8"?>
 <ct:contentTypeSchema xmlns:ct="http://schemas.microsoft.com/office/2006/metadata/contentType" xmlns:ma="http://schemas.microsoft.com/office/2006/metadata/properties/metaAttributes" ct:_="" ma:_="" ma:contentTypeName="Document" ma:contentTypeID="0x01010079F111ED35F8CC479449609E8A0923A6" ma:contentTypeVersion="12" ma:contentTypeDescription="Create a new document." ma:contentTypeScope="" ma:versionID="426e97fa315356fffbdcd9876fe988c2">
   <xsd:schema xmlns:xsd="http://www.w3.org/2001/XMLSchema" xmlns:xs="http://www.w3.org/2001/XMLSchema" xmlns:p="http://schemas.microsoft.com/office/2006/metadata/properties" xmlns:ns2="71af3243-3dd4-4a8d-8c0d-dd76da1f02a5" xmlns:ns3="16c05727-aa75-4e4a-9b5f-8a80a1165891" targetNamespace="http://schemas.microsoft.com/office/2006/metadata/properties" ma:root="true" ma:fieldsID="14b8f0def80e6d70ce3def20c90759ae" ns2:_="" ns3:_="">
     <xsd:import namespace="71af3243-3dd4-4a8d-8c0d-dd76da1f02a5"/>
@@ -44519,7 +44816,7 @@
 </ct:contentTypeSchema>
 </file>
 
-<file path=customXml/item2.xml><?xml version="1.0" encoding="utf-8"?>
+<file path=customXml/item3.xml><?xml version="1.0" encoding="utf-8"?>
 <?mso-contentType ?>
 <FormTemplates xmlns="http://schemas.microsoft.com/sharepoint/v3/contenttype/forms">
   <Display>DocumentLibraryForm</Display>
@@ -44528,16 +44825,17 @@
 </FormTemplates>
 </file>
 
-<file path=customXml/item3.xml><?xml version="1.0" encoding="utf-8"?>
-<p:properties xmlns:p="http://schemas.microsoft.com/office/2006/metadata/properties" xmlns:xsi="http://www.w3.org/2001/XMLSchema-instance" xmlns:pc="http://schemas.microsoft.com/office/infopath/2007/PartnerControls">
-  <documentManagement>
-    <Status xmlns="71af3243-3dd4-4a8d-8c0d-dd76da1f02a5">Not started</Status>
-    <MediaServiceKeyPoints xmlns="71af3243-3dd4-4a8d-8c0d-dd76da1f02a5" xsi:nil="true"/>
-  </documentManagement>
-</p:properties>
+<file path=customXml/itemProps1.xml><?xml version="1.0" encoding="utf-8"?>
+<ds:datastoreItem xmlns:ds="http://schemas.openxmlformats.org/officeDocument/2006/customXml" ds:itemID="{09EC1AB0-9704-404D-B6D3-819D938AC55B}">
+  <ds:schemaRefs>
+    <ds:schemaRef ds:uri="http://schemas.microsoft.com/office/2006/metadata/properties"/>
+    <ds:schemaRef ds:uri="http://schemas.microsoft.com/office/infopath/2007/PartnerControls"/>
+    <ds:schemaRef ds:uri="71af3243-3dd4-4a8d-8c0d-dd76da1f02a5"/>
+  </ds:schemaRefs>
+</ds:datastoreItem>
 </file>
 
-<file path=customXml/itemProps1.xml><?xml version="1.0" encoding="utf-8"?>
+<file path=customXml/itemProps2.xml><?xml version="1.0" encoding="utf-8"?>
 <ds:datastoreItem xmlns:ds="http://schemas.openxmlformats.org/officeDocument/2006/customXml" ds:itemID="{94F21D10-BD83-491A-AAA6-945C2DB1EB01}">
   <ds:schemaRefs>
     <ds:schemaRef ds:uri="http://schemas.microsoft.com/office/2006/metadata/contentType"/>
@@ -44556,20 +44854,10 @@
 </ds:datastoreItem>
 </file>
 
-<file path=customXml/itemProps2.xml><?xml version="1.0" encoding="utf-8"?>
+<file path=customXml/itemProps3.xml><?xml version="1.0" encoding="utf-8"?>
 <ds:datastoreItem xmlns:ds="http://schemas.openxmlformats.org/officeDocument/2006/customXml" ds:itemID="{1D20B6E4-879E-4E6C-BDE7-261540CD3765}">
   <ds:schemaRefs>
     <ds:schemaRef ds:uri="http://schemas.microsoft.com/sharepoint/v3/contenttype/forms"/>
   </ds:schemaRefs>
 </ds:datastoreItem>
-</file>
-
-<file path=customXml/itemProps3.xml><?xml version="1.0" encoding="utf-8"?>
-<ds:datastoreItem xmlns:ds="http://schemas.openxmlformats.org/officeDocument/2006/customXml" ds:itemID="{09EC1AB0-9704-404D-B6D3-819D938AC55B}">
-  <ds:schemaRefs>
-    <ds:schemaRef ds:uri="http://schemas.microsoft.com/office/2006/metadata/properties"/>
-    <ds:schemaRef ds:uri="http://schemas.microsoft.com/office/infopath/2007/PartnerControls"/>
-    <ds:schemaRef ds:uri="71af3243-3dd4-4a8d-8c0d-dd76da1f02a5"/>
-  </ds:schemaRefs>
-</ds:datastoreItem>
 </file>
--- a/Doc/PLS_ALES.pptx
+++ b/Doc/PLS_ALES.pptx
@@ -18462,8 +18462,8 @@
           </a:p>
         </p:txBody>
       </p:sp>
-      <mc:AlternateContent xmlns:mc="http://schemas.openxmlformats.org/markup-compatibility/2006">
-        <mc:Choice xmlns:a14="http://schemas.microsoft.com/office/drawing/2010/main" Requires="a14">
+      <mc:AlternateContent xmlns:mc="http://schemas.openxmlformats.org/markup-compatibility/2006" xmlns:a14="http://schemas.microsoft.com/office/drawing/2010/main">
+        <mc:Choice Requires="a14">
           <p:sp>
             <p:nvSpPr>
               <p:cNvPr id="33" name="Segnaposto testo 32">
@@ -18999,7 +18999,7 @@
             </p:txBody>
           </p:sp>
         </mc:Choice>
-        <mc:Fallback>
+        <mc:Fallback xmlns="">
           <p:sp>
             <p:nvSpPr>
               <p:cNvPr id="33" name="Segnaposto testo 32">
@@ -19417,8 +19417,8 @@
           </a:p>
         </p:txBody>
       </p:sp>
-      <mc:AlternateContent xmlns:mc="http://schemas.openxmlformats.org/markup-compatibility/2006">
-        <mc:Choice xmlns:a14="http://schemas.microsoft.com/office/drawing/2010/main" Requires="a14">
+      <mc:AlternateContent xmlns:mc="http://schemas.openxmlformats.org/markup-compatibility/2006" xmlns:a14="http://schemas.microsoft.com/office/drawing/2010/main">
+        <mc:Choice Requires="a14">
           <p:sp>
             <p:nvSpPr>
               <p:cNvPr id="17" name="Segnaposto testo 16">
@@ -20507,13 +20507,7 @@
                           <a:rPr lang="it-IT" sz="1800" b="0" i="1" smtClean="0">
                             <a:latin typeface="Cambria Math" panose="02040503050406030204" pitchFamily="18" charset="0"/>
                           </a:rPr>
-                          <m:t>𝑚</m:t>
-                        </m:r>
-                        <m:r>
-                          <a:rPr lang="it-IT" sz="1800" b="0" i="1" smtClean="0">
-                            <a:latin typeface="Cambria Math" panose="02040503050406030204" pitchFamily="18" charset="0"/>
-                          </a:rPr>
-                          <m:t>𝑖𝑠𝑠</m:t>
+                          <m:t>𝑚𝑖𝑠𝑠</m:t>
                         </m:r>
                       </m:sub>
                     </m:sSub>
@@ -20620,7 +20614,7 @@
             </p:txBody>
           </p:sp>
         </mc:Choice>
-        <mc:Fallback>
+        <mc:Fallback xmlns="">
           <p:sp>
             <p:nvSpPr>
               <p:cNvPr id="17" name="Segnaposto testo 16">
@@ -33160,7 +33154,7 @@
           </p:cNvPicPr>
           <p:nvPr/>
         </p:nvPicPr>
-        <p:blipFill>
+        <p:blipFill rotWithShape="1">
           <a:blip r:embed="rId3">
             <a:extLst>
               <a:ext uri="{28A0092B-C50C-407E-A947-70E740481C1C}">
@@ -33168,13 +33162,13 @@
               </a:ext>
             </a:extLst>
           </a:blip>
-          <a:srcRect l="6210" r="6210"/>
+          <a:srcRect l="4874" r="6210"/>
           <a:stretch/>
         </p:blipFill>
         <p:spPr>
           <a:xfrm>
-            <a:off x="5849845" y="1828800"/>
-            <a:ext cx="4846211" cy="4150137"/>
+            <a:off x="5775951" y="1828800"/>
+            <a:ext cx="4920106" cy="4150137"/>
           </a:xfrm>
           <a:prstGeom prst="rect">
             <a:avLst/>
@@ -33483,13 +33477,13 @@
               </a:ext>
             </a:extLst>
           </a:blip>
-          <a:srcRect l="10022" t="5607" r="7940" b="5607"/>
+          <a:srcRect l="10022" t="295" r="7940" b="5607"/>
           <a:stretch/>
         </p:blipFill>
         <p:spPr>
           <a:xfrm>
-            <a:off x="4964620" y="896526"/>
-            <a:ext cx="6465977" cy="1637187"/>
+            <a:off x="4964620" y="798576"/>
+            <a:ext cx="6465977" cy="1735137"/>
           </a:xfrm>
           <a:prstGeom prst="rect">
             <a:avLst/>
@@ -44587,15 +44581,6 @@
 </file>
 
 <file path=customXml/item1.xml><?xml version="1.0" encoding="utf-8"?>
-<p:properties xmlns:p="http://schemas.microsoft.com/office/2006/metadata/properties" xmlns:xsi="http://www.w3.org/2001/XMLSchema-instance" xmlns:pc="http://schemas.microsoft.com/office/infopath/2007/PartnerControls">
-  <documentManagement>
-    <Status xmlns="71af3243-3dd4-4a8d-8c0d-dd76da1f02a5">Not started</Status>
-    <MediaServiceKeyPoints xmlns="71af3243-3dd4-4a8d-8c0d-dd76da1f02a5" xsi:nil="true"/>
-  </documentManagement>
-</p:properties>
-</file>
-
-<file path=customXml/item2.xml><?xml version="1.0" encoding="utf-8"?>
 <ct:contentTypeSchema xmlns:ct="http://schemas.microsoft.com/office/2006/metadata/contentType" xmlns:ma="http://schemas.microsoft.com/office/2006/metadata/properties/metaAttributes" ct:_="" ma:_="" ma:contentTypeName="Document" ma:contentTypeID="0x01010079F111ED35F8CC479449609E8A0923A6" ma:contentTypeVersion="12" ma:contentTypeDescription="Create a new document." ma:contentTypeScope="" ma:versionID="426e97fa315356fffbdcd9876fe988c2">
   <xsd:schema xmlns:xsd="http://www.w3.org/2001/XMLSchema" xmlns:xs="http://www.w3.org/2001/XMLSchema" xmlns:p="http://schemas.microsoft.com/office/2006/metadata/properties" xmlns:ns2="71af3243-3dd4-4a8d-8c0d-dd76da1f02a5" xmlns:ns3="16c05727-aa75-4e4a-9b5f-8a80a1165891" targetNamespace="http://schemas.microsoft.com/office/2006/metadata/properties" ma:root="true" ma:fieldsID="14b8f0def80e6d70ce3def20c90759ae" ns2:_="" ns3:_="">
     <xsd:import namespace="71af3243-3dd4-4a8d-8c0d-dd76da1f02a5"/>
@@ -44816,6 +44801,15 @@
 </ct:contentTypeSchema>
 </file>
 
+<file path=customXml/item2.xml><?xml version="1.0" encoding="utf-8"?>
+<p:properties xmlns:p="http://schemas.microsoft.com/office/2006/metadata/properties" xmlns:xsi="http://www.w3.org/2001/XMLSchema-instance" xmlns:pc="http://schemas.microsoft.com/office/infopath/2007/PartnerControls">
+  <documentManagement>
+    <Status xmlns="71af3243-3dd4-4a8d-8c0d-dd76da1f02a5">Not started</Status>
+    <MediaServiceKeyPoints xmlns="71af3243-3dd4-4a8d-8c0d-dd76da1f02a5" xsi:nil="true"/>
+  </documentManagement>
+</p:properties>
+</file>
+
 <file path=customXml/item3.xml><?xml version="1.0" encoding="utf-8"?>
 <?mso-contentType ?>
 <FormTemplates xmlns="http://schemas.microsoft.com/sharepoint/v3/contenttype/forms">
@@ -44826,16 +44820,6 @@
 </file>
 
 <file path=customXml/itemProps1.xml><?xml version="1.0" encoding="utf-8"?>
-<ds:datastoreItem xmlns:ds="http://schemas.openxmlformats.org/officeDocument/2006/customXml" ds:itemID="{09EC1AB0-9704-404D-B6D3-819D938AC55B}">
-  <ds:schemaRefs>
-    <ds:schemaRef ds:uri="http://schemas.microsoft.com/office/2006/metadata/properties"/>
-    <ds:schemaRef ds:uri="http://schemas.microsoft.com/office/infopath/2007/PartnerControls"/>
-    <ds:schemaRef ds:uri="71af3243-3dd4-4a8d-8c0d-dd76da1f02a5"/>
-  </ds:schemaRefs>
-</ds:datastoreItem>
-</file>
-
-<file path=customXml/itemProps2.xml><?xml version="1.0" encoding="utf-8"?>
 <ds:datastoreItem xmlns:ds="http://schemas.openxmlformats.org/officeDocument/2006/customXml" ds:itemID="{94F21D10-BD83-491A-AAA6-945C2DB1EB01}">
   <ds:schemaRefs>
     <ds:schemaRef ds:uri="http://schemas.microsoft.com/office/2006/metadata/contentType"/>
@@ -44854,6 +44838,16 @@
 </ds:datastoreItem>
 </file>
 
+<file path=customXml/itemProps2.xml><?xml version="1.0" encoding="utf-8"?>
+<ds:datastoreItem xmlns:ds="http://schemas.openxmlformats.org/officeDocument/2006/customXml" ds:itemID="{09EC1AB0-9704-404D-B6D3-819D938AC55B}">
+  <ds:schemaRefs>
+    <ds:schemaRef ds:uri="http://schemas.microsoft.com/office/2006/metadata/properties"/>
+    <ds:schemaRef ds:uri="http://schemas.microsoft.com/office/infopath/2007/PartnerControls"/>
+    <ds:schemaRef ds:uri="71af3243-3dd4-4a8d-8c0d-dd76da1f02a5"/>
+  </ds:schemaRefs>
+</ds:datastoreItem>
+</file>
+
 <file path=customXml/itemProps3.xml><?xml version="1.0" encoding="utf-8"?>
 <ds:datastoreItem xmlns:ds="http://schemas.openxmlformats.org/officeDocument/2006/customXml" ds:itemID="{1D20B6E4-879E-4E6C-BDE7-261540CD3765}">
   <ds:schemaRefs>
